--- a/2025_Б_ПІ_ПЗПІ-21-1_Ричко_О_С.pptx
+++ b/2025_Б_ПІ_ПЗПІ-21-1_Ричко_О_С.pptx
@@ -12081,10 +12081,10 @@
       </p:sp>
       <p:pic>
         <p:nvPicPr>
-          <p:cNvPr id="13" name="Picture 12" descr="A diagram of a company&#10;&#10;AI-generated content may be incorrect.">
+          <p:cNvPr id="5" name="Picture 4" descr="A diagram of a company&#10;&#10;AI-generated content may be incorrect.">
             <a:extLst>
               <a:ext uri="{FF2B5EF4-FFF2-40B4-BE49-F238E27FC236}">
-                <a16:creationId xmlns:a16="http://schemas.microsoft.com/office/drawing/2014/main" id="{BDFFF38A-4652-9C03-E6D4-DCE8678567A4}"/>
+                <a16:creationId xmlns:a16="http://schemas.microsoft.com/office/drawing/2014/main" id="{D9514DEE-21B8-F7B2-C8FF-A778B3885218}"/>
               </a:ext>
             </a:extLst>
           </p:cNvPr>
@@ -12101,8 +12101,8 @@
         </p:blipFill>
         <p:spPr>
           <a:xfrm>
-            <a:off x="35938" y="1202297"/>
-            <a:ext cx="3042181" cy="2441350"/>
+            <a:off x="700050" y="902909"/>
+            <a:ext cx="1557998" cy="3083127"/>
           </a:xfrm>
           <a:prstGeom prst="rect">
             <a:avLst/>
